--- a/Write/作图-2019-positive/correlation-作图20190716/箱图作图.pptx
+++ b/Write/作图-2019-positive/correlation-作图20190716/箱图作图.pptx
@@ -3149,7 +3149,7 @@
           <a:p>
             <a:fld id="{6C6B3C56-F79A-4E48-A4C7-D9292F784E12}" type="datetimeFigureOut">
               <a:rPr lang="zh-CN" altLang="en-US" smtClean="0"/>
-              <a:t>2019/7/16</a:t>
+              <a:t>2019/7/18</a:t>
             </a:fld>
             <a:endParaRPr lang="zh-CN" altLang="en-US"/>
           </a:p>
@@ -3347,7 +3347,7 @@
           <a:p>
             <a:fld id="{6C6B3C56-F79A-4E48-A4C7-D9292F784E12}" type="datetimeFigureOut">
               <a:rPr lang="zh-CN" altLang="en-US" smtClean="0"/>
-              <a:t>2019/7/16</a:t>
+              <a:t>2019/7/18</a:t>
             </a:fld>
             <a:endParaRPr lang="zh-CN" altLang="en-US"/>
           </a:p>
@@ -3555,7 +3555,7 @@
           <a:p>
             <a:fld id="{6C6B3C56-F79A-4E48-A4C7-D9292F784E12}" type="datetimeFigureOut">
               <a:rPr lang="zh-CN" altLang="en-US" smtClean="0"/>
-              <a:t>2019/7/16</a:t>
+              <a:t>2019/7/18</a:t>
             </a:fld>
             <a:endParaRPr lang="zh-CN" altLang="en-US"/>
           </a:p>
@@ -3753,7 +3753,7 @@
           <a:p>
             <a:fld id="{6C6B3C56-F79A-4E48-A4C7-D9292F784E12}" type="datetimeFigureOut">
               <a:rPr lang="zh-CN" altLang="en-US" smtClean="0"/>
-              <a:t>2019/7/16</a:t>
+              <a:t>2019/7/18</a:t>
             </a:fld>
             <a:endParaRPr lang="zh-CN" altLang="en-US"/>
           </a:p>
@@ -4028,7 +4028,7 @@
           <a:p>
             <a:fld id="{6C6B3C56-F79A-4E48-A4C7-D9292F784E12}" type="datetimeFigureOut">
               <a:rPr lang="zh-CN" altLang="en-US" smtClean="0"/>
-              <a:t>2019/7/16</a:t>
+              <a:t>2019/7/18</a:t>
             </a:fld>
             <a:endParaRPr lang="zh-CN" altLang="en-US"/>
           </a:p>
@@ -4293,7 +4293,7 @@
           <a:p>
             <a:fld id="{6C6B3C56-F79A-4E48-A4C7-D9292F784E12}" type="datetimeFigureOut">
               <a:rPr lang="zh-CN" altLang="en-US" smtClean="0"/>
-              <a:t>2019/7/16</a:t>
+              <a:t>2019/7/18</a:t>
             </a:fld>
             <a:endParaRPr lang="zh-CN" altLang="en-US"/>
           </a:p>
@@ -4705,7 +4705,7 @@
           <a:p>
             <a:fld id="{6C6B3C56-F79A-4E48-A4C7-D9292F784E12}" type="datetimeFigureOut">
               <a:rPr lang="zh-CN" altLang="en-US" smtClean="0"/>
-              <a:t>2019/7/16</a:t>
+              <a:t>2019/7/18</a:t>
             </a:fld>
             <a:endParaRPr lang="zh-CN" altLang="en-US"/>
           </a:p>
@@ -4846,7 +4846,7 @@
           <a:p>
             <a:fld id="{6C6B3C56-F79A-4E48-A4C7-D9292F784E12}" type="datetimeFigureOut">
               <a:rPr lang="zh-CN" altLang="en-US" smtClean="0"/>
-              <a:t>2019/7/16</a:t>
+              <a:t>2019/7/18</a:t>
             </a:fld>
             <a:endParaRPr lang="zh-CN" altLang="en-US"/>
           </a:p>
@@ -4959,7 +4959,7 @@
           <a:p>
             <a:fld id="{6C6B3C56-F79A-4E48-A4C7-D9292F784E12}" type="datetimeFigureOut">
               <a:rPr lang="zh-CN" altLang="en-US" smtClean="0"/>
-              <a:t>2019/7/16</a:t>
+              <a:t>2019/7/18</a:t>
             </a:fld>
             <a:endParaRPr lang="zh-CN" altLang="en-US"/>
           </a:p>
@@ -5270,7 +5270,7 @@
           <a:p>
             <a:fld id="{6C6B3C56-F79A-4E48-A4C7-D9292F784E12}" type="datetimeFigureOut">
               <a:rPr lang="zh-CN" altLang="en-US" smtClean="0"/>
-              <a:t>2019/7/16</a:t>
+              <a:t>2019/7/18</a:t>
             </a:fld>
             <a:endParaRPr lang="zh-CN" altLang="en-US"/>
           </a:p>
@@ -5558,7 +5558,7 @@
           <a:p>
             <a:fld id="{6C6B3C56-F79A-4E48-A4C7-D9292F784E12}" type="datetimeFigureOut">
               <a:rPr lang="zh-CN" altLang="en-US" smtClean="0"/>
-              <a:t>2019/7/16</a:t>
+              <a:t>2019/7/18</a:t>
             </a:fld>
             <a:endParaRPr lang="zh-CN" altLang="en-US"/>
           </a:p>
@@ -5799,7 +5799,7 @@
           <a:p>
             <a:fld id="{6C6B3C56-F79A-4E48-A4C7-D9292F784E12}" type="datetimeFigureOut">
               <a:rPr lang="zh-CN" altLang="en-US" smtClean="0"/>
-              <a:t>2019/7/16</a:t>
+              <a:t>2019/7/18</a:t>
             </a:fld>
             <a:endParaRPr lang="zh-CN" altLang="en-US"/>
           </a:p>
@@ -6216,8 +6216,8 @@
           <a:chExt cx="0" cy="0"/>
         </a:xfrm>
       </p:grpSpPr>
-      <mc:AlternateContent xmlns:mc="http://schemas.openxmlformats.org/markup-compatibility/2006">
-        <mc:Choice xmlns:cx1="http://schemas.microsoft.com/office/drawing/2015/9/8/chartex" Requires="cx1">
+      <mc:AlternateContent xmlns:mc="http://schemas.openxmlformats.org/markup-compatibility/2006" xmlns:cx1="http://schemas.microsoft.com/office/drawing/2015/9/8/chartex">
+        <mc:Choice Requires="cx1">
           <p:graphicFrame>
             <p:nvGraphicFramePr>
               <p:cNvPr id="4" name="图表 3">
@@ -6247,7 +6247,7 @@
             </a:graphic>
           </p:graphicFrame>
         </mc:Choice>
-        <mc:Fallback>
+        <mc:Fallback xmlns="">
           <p:pic>
             <p:nvPicPr>
               <p:cNvPr id="4" name="图表 3">
@@ -6310,8 +6310,8 @@
           <a:chExt cx="0" cy="0"/>
         </a:xfrm>
       </p:grpSpPr>
-      <mc:AlternateContent xmlns:mc="http://schemas.openxmlformats.org/markup-compatibility/2006">
-        <mc:Choice xmlns:cx1="http://schemas.microsoft.com/office/drawing/2015/9/8/chartex" Requires="cx1">
+      <mc:AlternateContent xmlns:mc="http://schemas.openxmlformats.org/markup-compatibility/2006" xmlns:cx1="http://schemas.microsoft.com/office/drawing/2015/9/8/chartex">
+        <mc:Choice Requires="cx1">
           <p:graphicFrame>
             <p:nvGraphicFramePr>
               <p:cNvPr id="5" name="图表 4">
@@ -6341,7 +6341,7 @@
             </a:graphic>
           </p:graphicFrame>
         </mc:Choice>
-        <mc:Fallback>
+        <mc:Fallback xmlns="">
           <p:pic>
             <p:nvPicPr>
               <p:cNvPr id="5" name="图表 4">
